--- a/IntelliGate.pptx
+++ b/IntelliGate.pptx
@@ -124,7 +124,7 @@
 <file path=ppt/revisionInfo.xml><?xml version="1.0" encoding="utf-8"?>
 <p1510:revInfo xmlns:a="http://schemas.openxmlformats.org/drawingml/2006/main" xmlns:r="http://schemas.openxmlformats.org/officeDocument/2006/relationships" xmlns:p1510="http://schemas.microsoft.com/office/powerpoint/2015/10/main">
   <p1510:revLst>
-    <p1510:client id="{BF354252-A880-4060-ADE3-3940295728D9}" v="6" dt="2020-10-23T06:53:50.833"/>
+    <p1510:client id="{BF354252-A880-4060-ADE3-3940295728D9}" v="14" dt="2020-10-25T05:51:07.736"/>
   </p1510:revLst>
 </p1510:revInfo>
 </file>
@@ -134,12 +134,12 @@
   <pc:docChgLst>
     <pc:chgData name="Shashank Kumar" userId="ca124273-5a2e-430a-8b03-ab8ff300b124" providerId="ADAL" clId="{BF354252-A880-4060-ADE3-3940295728D9}"/>
     <pc:docChg chg="undo custSel addSld delSld modSld">
-      <pc:chgData name="Shashank Kumar" userId="ca124273-5a2e-430a-8b03-ab8ff300b124" providerId="ADAL" clId="{BF354252-A880-4060-ADE3-3940295728D9}" dt="2020-10-23T07:08:12.763" v="2806" actId="20577"/>
+      <pc:chgData name="Shashank Kumar" userId="ca124273-5a2e-430a-8b03-ab8ff300b124" providerId="ADAL" clId="{BF354252-A880-4060-ADE3-3940295728D9}" dt="2020-10-25T05:51:21.510" v="2839" actId="20577"/>
       <pc:docMkLst>
         <pc:docMk/>
       </pc:docMkLst>
       <pc:sldChg chg="modSp mod">
-        <pc:chgData name="Shashank Kumar" userId="ca124273-5a2e-430a-8b03-ab8ff300b124" providerId="ADAL" clId="{BF354252-A880-4060-ADE3-3940295728D9}" dt="2020-10-23T07:08:12.763" v="2806" actId="20577"/>
+        <pc:chgData name="Shashank Kumar" userId="ca124273-5a2e-430a-8b03-ab8ff300b124" providerId="ADAL" clId="{BF354252-A880-4060-ADE3-3940295728D9}" dt="2020-10-25T05:51:21.510" v="2839" actId="20577"/>
         <pc:sldMkLst>
           <pc:docMk/>
           <pc:sldMk cId="3934463371" sldId="1699"/>
@@ -200,16 +200,16 @@
             <ac:spMk id="36" creationId="{B28F52D8-5EA1-41D1-B0F6-327B06E4B59D}"/>
           </ac:spMkLst>
         </pc:spChg>
-        <pc:graphicFrameChg chg="modGraphic">
-          <ac:chgData name="Shashank Kumar" userId="ca124273-5a2e-430a-8b03-ab8ff300b124" providerId="ADAL" clId="{BF354252-A880-4060-ADE3-3940295728D9}" dt="2020-10-23T06:49:24.615" v="2505" actId="20577"/>
+        <pc:graphicFrameChg chg="mod modGraphic">
+          <ac:chgData name="Shashank Kumar" userId="ca124273-5a2e-430a-8b03-ab8ff300b124" providerId="ADAL" clId="{BF354252-A880-4060-ADE3-3940295728D9}" dt="2020-10-25T05:51:21.510" v="2839" actId="20577"/>
           <ac:graphicFrameMkLst>
             <pc:docMk/>
             <pc:sldMk cId="3934463371" sldId="1699"/>
             <ac:graphicFrameMk id="5" creationId="{D5EF1947-FAFD-4949-94CF-2B7E7D18320E}"/>
           </ac:graphicFrameMkLst>
         </pc:graphicFrameChg>
-        <pc:graphicFrameChg chg="modGraphic">
-          <ac:chgData name="Shashank Kumar" userId="ca124273-5a2e-430a-8b03-ab8ff300b124" providerId="ADAL" clId="{BF354252-A880-4060-ADE3-3940295728D9}" dt="2020-10-23T07:04:35.259" v="2783" actId="20577"/>
+        <pc:graphicFrameChg chg="mod modGraphic">
+          <ac:chgData name="Shashank Kumar" userId="ca124273-5a2e-430a-8b03-ab8ff300b124" providerId="ADAL" clId="{BF354252-A880-4060-ADE3-3940295728D9}" dt="2020-10-24T04:41:38.831" v="2813" actId="1037"/>
           <ac:graphicFrameMkLst>
             <pc:docMk/>
             <pc:sldMk cId="3934463371" sldId="1699"/>
@@ -425,13 +425,13 @@
         </pc:picChg>
       </pc:sldChg>
       <pc:sldChg chg="modSp mod">
-        <pc:chgData name="Shashank Kumar" userId="ca124273-5a2e-430a-8b03-ab8ff300b124" providerId="ADAL" clId="{BF354252-A880-4060-ADE3-3940295728D9}" dt="2020-10-14T03:54:19.715" v="40" actId="20577"/>
+        <pc:chgData name="Shashank Kumar" userId="ca124273-5a2e-430a-8b03-ab8ff300b124" providerId="ADAL" clId="{BF354252-A880-4060-ADE3-3940295728D9}" dt="2020-10-24T04:33:17.414" v="2812" actId="20577"/>
         <pc:sldMkLst>
           <pc:docMk/>
           <pc:sldMk cId="2287465921" sldId="1701"/>
         </pc:sldMkLst>
         <pc:graphicFrameChg chg="modGraphic">
-          <ac:chgData name="Shashank Kumar" userId="ca124273-5a2e-430a-8b03-ab8ff300b124" providerId="ADAL" clId="{BF354252-A880-4060-ADE3-3940295728D9}" dt="2020-10-14T03:54:19.715" v="40" actId="20577"/>
+          <ac:chgData name="Shashank Kumar" userId="ca124273-5a2e-430a-8b03-ab8ff300b124" providerId="ADAL" clId="{BF354252-A880-4060-ADE3-3940295728D9}" dt="2020-10-24T04:33:17.414" v="2812" actId="20577"/>
           <ac:graphicFrameMkLst>
             <pc:docMk/>
             <pc:sldMk cId="2287465921" sldId="1701"/>
@@ -715,7 +715,7 @@
           <a:p>
             <a:fld id="{09354944-D75A-41D0-A1C6-790925AACAFA}" type="datetimeFigureOut">
               <a:rPr lang="en-SG" smtClean="0"/>
-              <a:t>23/10/2020</a:t>
+              <a:t>25/10/2020</a:t>
             </a:fld>
             <a:endParaRPr lang="en-SG"/>
           </a:p>
@@ -1132,7 +1132,7 @@
           <a:p>
             <a:fld id="{6DF2CB36-3CB9-4F2F-9C72-1FEAFFC03635}" type="datetimeFigureOut">
               <a:rPr lang="en-SG" smtClean="0"/>
-              <a:t>23/10/2020</a:t>
+              <a:t>25/10/2020</a:t>
             </a:fld>
             <a:endParaRPr lang="en-SG"/>
           </a:p>
@@ -1332,7 +1332,7 @@
           <a:p>
             <a:fld id="{6DF2CB36-3CB9-4F2F-9C72-1FEAFFC03635}" type="datetimeFigureOut">
               <a:rPr lang="en-SG" smtClean="0"/>
-              <a:t>23/10/2020</a:t>
+              <a:t>25/10/2020</a:t>
             </a:fld>
             <a:endParaRPr lang="en-SG"/>
           </a:p>
@@ -1542,7 +1542,7 @@
           <a:p>
             <a:fld id="{6DF2CB36-3CB9-4F2F-9C72-1FEAFFC03635}" type="datetimeFigureOut">
               <a:rPr lang="en-SG" smtClean="0"/>
-              <a:t>23/10/2020</a:t>
+              <a:t>25/10/2020</a:t>
             </a:fld>
             <a:endParaRPr lang="en-SG"/>
           </a:p>
@@ -1742,7 +1742,7 @@
           <a:p>
             <a:fld id="{6DF2CB36-3CB9-4F2F-9C72-1FEAFFC03635}" type="datetimeFigureOut">
               <a:rPr lang="en-SG" smtClean="0"/>
-              <a:t>23/10/2020</a:t>
+              <a:t>25/10/2020</a:t>
             </a:fld>
             <a:endParaRPr lang="en-SG"/>
           </a:p>
@@ -2018,7 +2018,7 @@
           <a:p>
             <a:fld id="{6DF2CB36-3CB9-4F2F-9C72-1FEAFFC03635}" type="datetimeFigureOut">
               <a:rPr lang="en-SG" smtClean="0"/>
-              <a:t>23/10/2020</a:t>
+              <a:t>25/10/2020</a:t>
             </a:fld>
             <a:endParaRPr lang="en-SG"/>
           </a:p>
@@ -2286,7 +2286,7 @@
           <a:p>
             <a:fld id="{6DF2CB36-3CB9-4F2F-9C72-1FEAFFC03635}" type="datetimeFigureOut">
               <a:rPr lang="en-SG" smtClean="0"/>
-              <a:t>23/10/2020</a:t>
+              <a:t>25/10/2020</a:t>
             </a:fld>
             <a:endParaRPr lang="en-SG"/>
           </a:p>
@@ -2701,7 +2701,7 @@
           <a:p>
             <a:fld id="{6DF2CB36-3CB9-4F2F-9C72-1FEAFFC03635}" type="datetimeFigureOut">
               <a:rPr lang="en-SG" smtClean="0"/>
-              <a:t>23/10/2020</a:t>
+              <a:t>25/10/2020</a:t>
             </a:fld>
             <a:endParaRPr lang="en-SG"/>
           </a:p>
@@ -2843,7 +2843,7 @@
           <a:p>
             <a:fld id="{6DF2CB36-3CB9-4F2F-9C72-1FEAFFC03635}" type="datetimeFigureOut">
               <a:rPr lang="en-SG" smtClean="0"/>
-              <a:t>23/10/2020</a:t>
+              <a:t>25/10/2020</a:t>
             </a:fld>
             <a:endParaRPr lang="en-SG"/>
           </a:p>
@@ -2956,7 +2956,7 @@
           <a:p>
             <a:fld id="{6DF2CB36-3CB9-4F2F-9C72-1FEAFFC03635}" type="datetimeFigureOut">
               <a:rPr lang="en-SG" smtClean="0"/>
-              <a:t>23/10/2020</a:t>
+              <a:t>25/10/2020</a:t>
             </a:fld>
             <a:endParaRPr lang="en-SG"/>
           </a:p>
@@ -3269,7 +3269,7 @@
           <a:p>
             <a:fld id="{6DF2CB36-3CB9-4F2F-9C72-1FEAFFC03635}" type="datetimeFigureOut">
               <a:rPr lang="en-SG" smtClean="0"/>
-              <a:t>23/10/2020</a:t>
+              <a:t>25/10/2020</a:t>
             </a:fld>
             <a:endParaRPr lang="en-SG"/>
           </a:p>
@@ -3558,7 +3558,7 @@
           <a:p>
             <a:fld id="{6DF2CB36-3CB9-4F2F-9C72-1FEAFFC03635}" type="datetimeFigureOut">
               <a:rPr lang="en-SG" smtClean="0"/>
-              <a:t>23/10/2020</a:t>
+              <a:t>25/10/2020</a:t>
             </a:fld>
             <a:endParaRPr lang="en-SG"/>
           </a:p>
@@ -3801,7 +3801,7 @@
           <a:p>
             <a:fld id="{6DF2CB36-3CB9-4F2F-9C72-1FEAFFC03635}" type="datetimeFigureOut">
               <a:rPr lang="en-SG" smtClean="0"/>
-              <a:t>23/10/2020</a:t>
+              <a:t>25/10/2020</a:t>
             </a:fld>
             <a:endParaRPr lang="en-SG"/>
           </a:p>
@@ -4539,7 +4539,7 @@
           <p:nvPr>
             <p:extLst>
               <p:ext uri="{D42A27DB-BD31-4B8C-83A1-F6EECF244321}">
-                <p14:modId xmlns:p14="http://schemas.microsoft.com/office/powerpoint/2010/main" val="3805665818"/>
+                <p14:modId xmlns:p14="http://schemas.microsoft.com/office/powerpoint/2010/main" val="70589998"/>
               </p:ext>
             </p:extLst>
           </p:nvPr>
@@ -4650,7 +4650,7 @@
                           <a:ea typeface="+mn-ea"/>
                           <a:cs typeface="+mn-cs"/>
                         </a:rPr>
-                        <a:t>RPACULT999</a:t>
+                        <a:t>RPACULT153</a:t>
                       </a:r>
                     </a:p>
                   </a:txBody>
@@ -4825,7 +4825,7 @@
           <p:nvPr>
             <p:extLst>
               <p:ext uri="{D42A27DB-BD31-4B8C-83A1-F6EECF244321}">
-                <p14:modId xmlns:p14="http://schemas.microsoft.com/office/powerpoint/2010/main" val="988837259"/>
+                <p14:modId xmlns:p14="http://schemas.microsoft.com/office/powerpoint/2010/main" val="3843419614"/>
               </p:ext>
             </p:extLst>
           </p:nvPr>
@@ -5103,18 +5103,6 @@
                         </a:spcAft>
                       </a:pPr>
                       <a:r>
-                        <a:rPr lang="en-US" sz="800" b="0" i="0" u="none" strike="noStrike" kern="1200" dirty="0" err="1">
-                          <a:solidFill>
-                            <a:srgbClr val="000000"/>
-                          </a:solidFill>
-                          <a:effectLst/>
-                          <a:latin typeface="Verdana" panose="020B0604030504040204" pitchFamily="34" charset="0"/>
-                          <a:ea typeface="+mn-ea"/>
-                          <a:cs typeface="+mn-cs"/>
-                        </a:rPr>
-                        <a:t>Wyze</a:t>
-                      </a:r>
-                      <a:r>
                         <a:rPr lang="en-US" sz="800" b="0" i="0" u="none" strike="noStrike" kern="1200" dirty="0">
                           <a:solidFill>
                             <a:srgbClr val="000000"/>
@@ -5124,7 +5112,7 @@
                           <a:ea typeface="+mn-ea"/>
                           <a:cs typeface="+mn-cs"/>
                         </a:rPr>
-                        <a:t> IP Cam</a:t>
+                        <a:t>Wyze IP Cam</a:t>
                       </a:r>
                       <a:endParaRPr lang="en-SG" sz="800" b="0" i="0" u="none" strike="noStrike" kern="1200" dirty="0">
                         <a:solidFill>
@@ -5270,16 +5258,6 @@
                         </a:spcAft>
                       </a:pPr>
                       <a:r>
-                        <a:rPr lang="en-US" sz="800" b="0" i="0" u="none" strike="noStrike" dirty="0" err="1">
-                          <a:solidFill>
-                            <a:srgbClr val="000000"/>
-                          </a:solidFill>
-                          <a:effectLst/>
-                          <a:latin typeface="Verdana" panose="020B0604030504040204" pitchFamily="34" charset="0"/>
-                        </a:rPr>
-                        <a:t>ThingSpeak</a:t>
-                      </a:r>
-                      <a:r>
                         <a:rPr lang="en-US" sz="800" b="0" i="0" u="none" strike="noStrike" dirty="0">
                           <a:solidFill>
                             <a:srgbClr val="000000"/>
@@ -5287,7 +5265,7 @@
                           <a:effectLst/>
                           <a:latin typeface="Verdana" panose="020B0604030504040204" pitchFamily="34" charset="0"/>
                         </a:rPr>
-                        <a:t> IOT, Twitter</a:t>
+                        <a:t>ThingSpeak IOT, Twitter</a:t>
                       </a:r>
                       <a:endParaRPr lang="en-SG" sz="800" dirty="0">
                         <a:effectLst/>
@@ -5446,6 +5424,16 @@
                         </a:rPr>
                         <a:t>TinkerCAD</a:t>
                       </a:r>
+                      <a:r>
+                        <a:rPr lang="en-US" sz="800" b="0" i="0" u="none" strike="noStrike" dirty="0">
+                          <a:solidFill>
+                            <a:srgbClr val="000000"/>
+                          </a:solidFill>
+                          <a:effectLst/>
+                          <a:latin typeface="Verdana" panose="020B0604030504040204" pitchFamily="34" charset="0"/>
+                        </a:rPr>
+                        <a:t>, RGB_LCD.js</a:t>
+                      </a:r>
                       <a:endParaRPr lang="en-SG" sz="800" dirty="0">
                         <a:effectLst/>
                       </a:endParaRPr>
@@ -5514,7 +5502,17 @@
                           <a:effectLst/>
                           <a:latin typeface="Verdana" panose="020B0604030504040204" pitchFamily="34" charset="0"/>
                         </a:rPr>
-                        <a:t>Circuit Simulator</a:t>
+                        <a:t>Circuit Simulator/</a:t>
+                      </a:r>
+                      <a:r>
+                        <a:rPr lang="en-US" sz="800" b="0" i="0" u="none" strike="noStrike">
+                          <a:solidFill>
+                            <a:srgbClr val="000000"/>
+                          </a:solidFill>
+                          <a:effectLst/>
+                          <a:latin typeface="Verdana" panose="020B0604030504040204" pitchFamily="34" charset="0"/>
+                        </a:rPr>
+                        <a:t>LCD Emulator</a:t>
                       </a:r>
                       <a:endParaRPr lang="en-SG" sz="800" dirty="0">
                         <a:effectLst/>
@@ -5715,13 +5713,13 @@
           <p:nvPr>
             <p:extLst>
               <p:ext uri="{D42A27DB-BD31-4B8C-83A1-F6EECF244321}">
-                <p14:modId xmlns:p14="http://schemas.microsoft.com/office/powerpoint/2010/main" val="3662832782"/>
+                <p14:modId xmlns:p14="http://schemas.microsoft.com/office/powerpoint/2010/main" val="1418549243"/>
               </p:ext>
             </p:extLst>
           </p:nvPr>
         </p:nvGraphicFramePr>
         <p:xfrm>
-          <a:off x="6400800" y="4214898"/>
+          <a:off x="6391275" y="4214898"/>
           <a:ext cx="5311945" cy="2082058"/>
         </p:xfrm>
         <a:graphic>
@@ -6871,7 +6869,7 @@
           <a:lstStyle/>
           <a:p>
             <a:r>
-              <a:rPr lang="en-US" sz="1000" dirty="0" err="1"/>
+              <a:rPr lang="en-US" sz="1000" dirty="0"/>
               <a:t>IntelliGate</a:t>
             </a:r>
             <a:endParaRPr lang="en-SG" sz="1000" dirty="0"/>
@@ -6934,87 +6932,7 @@
                   <a:schemeClr val="tx1"/>
                 </a:solidFill>
               </a:rPr>
-              <a:t>This project deals with counting the number of people entering/exiting in enclosed spaces. The aim of this project is to automate the task of staff in managing the crowd to maintain social distancing protocols. A live feed from </a:t>
-            </a:r>
-            <a:r>
-              <a:rPr lang="en-US" sz="1000" dirty="0" err="1">
-                <a:solidFill>
-                  <a:schemeClr val="tx1"/>
-                </a:solidFill>
-              </a:rPr>
-              <a:t>Wyze</a:t>
-            </a:r>
-            <a:r>
-              <a:rPr lang="en-US" sz="1000" dirty="0">
-                <a:solidFill>
-                  <a:schemeClr val="tx1"/>
-                </a:solidFill>
-              </a:rPr>
-              <a:t> IP Cam is sent to </a:t>
-            </a:r>
-            <a:r>
-              <a:rPr lang="en-US" sz="1000" dirty="0" err="1">
-                <a:solidFill>
-                  <a:schemeClr val="tx1"/>
-                </a:solidFill>
-              </a:rPr>
-              <a:t>BluePrism</a:t>
-            </a:r>
-            <a:r>
-              <a:rPr lang="en-US" sz="1000" dirty="0">
-                <a:solidFill>
-                  <a:schemeClr val="tx1"/>
-                </a:solidFill>
-              </a:rPr>
-              <a:t> Digital Worker for counting people entering/exiting the space. The bot calculates the number of people inside at real-time using computer vision and transmits the data to </a:t>
-            </a:r>
-            <a:r>
-              <a:rPr lang="en-US" sz="1000" dirty="0" err="1">
-                <a:solidFill>
-                  <a:schemeClr val="tx1"/>
-                </a:solidFill>
-              </a:rPr>
-              <a:t>ThingSpeak</a:t>
-            </a:r>
-            <a:r>
-              <a:rPr lang="en-US" sz="1000" dirty="0">
-                <a:solidFill>
-                  <a:schemeClr val="tx1"/>
-                </a:solidFill>
-              </a:rPr>
-              <a:t> IOT channel. The </a:t>
-            </a:r>
-            <a:r>
-              <a:rPr lang="en-US" sz="1000" dirty="0" err="1">
-                <a:solidFill>
-                  <a:schemeClr val="tx1"/>
-                </a:solidFill>
-              </a:rPr>
-              <a:t>ThinkSpeak</a:t>
-            </a:r>
-            <a:r>
-              <a:rPr lang="en-US" sz="1000" dirty="0">
-                <a:solidFill>
-                  <a:schemeClr val="tx1"/>
-                </a:solidFill>
-              </a:rPr>
-              <a:t> IOT triggers a tweet whenever the people count exceeds maximum limit which the staffs can monitor on their mobile devices. An Arduino microcontroller connected with ESP8266 and LCD screen is used to retrieve feed from the </a:t>
-            </a:r>
-            <a:r>
-              <a:rPr lang="en-US" sz="1000" dirty="0" err="1">
-                <a:solidFill>
-                  <a:schemeClr val="tx1"/>
-                </a:solidFill>
-              </a:rPr>
-              <a:t>ThingSpeak</a:t>
-            </a:r>
-            <a:r>
-              <a:rPr lang="en-US" sz="1000" dirty="0">
-                <a:solidFill>
-                  <a:schemeClr val="tx1"/>
-                </a:solidFill>
-              </a:rPr>
-              <a:t> IOT channel to provide visual indication at the entry gate whenever the building has reached its maximum capacity.</a:t>
+              <a:t>This project deals with counting the number of people entering/exiting in enclosed spaces. The aim of this project is to automate the task of staff in managing the crowd to maintain social distancing protocols. A live feed from Wyze IP Cam is sent to BluePrism Digital Worker for counting people entering/exiting the space. The bot calculates the number of people inside at real-time using computer vision and transmits the data to ThingSpeak IOT channel. The ThinkSpeak IOT triggers a tweet whenever the people count exceeds maximum limit which the staffs can monitor on their mobile devices. An Arduino microcontroller connected with ESP8266 and LCD screen is used to retrieve feed from the ThingSpeak IOT channel to provide visual indication at the entry gate whenever the building has reached its maximum capacity.</a:t>
             </a:r>
             <a:endParaRPr lang="en-SG" sz="1000" dirty="0">
               <a:solidFill>
@@ -7120,7 +7038,7 @@
           <a:lstStyle/>
           <a:p>
             <a:r>
-              <a:rPr lang="en-US" sz="1000" dirty="0" err="1"/>
+              <a:rPr lang="en-US" sz="1000" dirty="0"/>
               <a:t>BluePrism</a:t>
             </a:r>
             <a:endParaRPr lang="en-SG" sz="1000" dirty="0"/>
@@ -7726,20 +7644,12 @@
           <a:lstStyle/>
           <a:p>
             <a:r>
-              <a:rPr lang="en-US" sz="1000" dirty="0" err="1">
-                <a:solidFill>
-                  <a:schemeClr val="tx1"/>
-                </a:solidFill>
-              </a:rPr>
-              <a:t>Wyze</a:t>
-            </a:r>
-            <a:r>
               <a:rPr lang="en-US" sz="1000" dirty="0">
                 <a:solidFill>
                   <a:schemeClr val="tx1"/>
                 </a:solidFill>
               </a:rPr>
-              <a:t> IP Cam through RTSP protocol</a:t>
+              <a:t>Wyze IP Cam through RTSP protocol</a:t>
             </a:r>
             <a:endParaRPr lang="en-SG" sz="900" dirty="0">
               <a:solidFill>
@@ -7798,20 +7708,12 @@
           <a:lstStyle/>
           <a:p>
             <a:r>
-              <a:rPr lang="en-US" sz="1000" dirty="0" err="1">
-                <a:solidFill>
-                  <a:schemeClr val="tx1"/>
-                </a:solidFill>
-              </a:rPr>
-              <a:t>BluePrism</a:t>
-            </a:r>
-            <a:r>
               <a:rPr lang="en-US" sz="1000" dirty="0">
                 <a:solidFill>
                   <a:schemeClr val="tx1"/>
                 </a:solidFill>
               </a:rPr>
-              <a:t>, </a:t>
+              <a:t>BluePrism, </a:t>
             </a:r>
             <a:r>
               <a:rPr lang="en-US" sz="900" dirty="0">
@@ -7819,23 +7721,7 @@
                   <a:schemeClr val="tx1"/>
                 </a:solidFill>
               </a:rPr>
-              <a:t>OpenCV, </a:t>
-            </a:r>
-            <a:r>
-              <a:rPr lang="en-US" sz="900" dirty="0" err="1">
-                <a:solidFill>
-                  <a:schemeClr val="tx1"/>
-                </a:solidFill>
-              </a:rPr>
-              <a:t>ThingSpeak</a:t>
-            </a:r>
-            <a:r>
-              <a:rPr lang="en-US" sz="900" dirty="0">
-                <a:solidFill>
-                  <a:schemeClr val="tx1"/>
-                </a:solidFill>
-              </a:rPr>
-              <a:t> IOT</a:t>
+              <a:t>OpenCV, ThingSpeak IOT</a:t>
             </a:r>
             <a:endParaRPr lang="en-SG" sz="900" dirty="0">
               <a:solidFill>
@@ -8715,15 +8601,7 @@
             </a:br>
             <a:r>
               <a:rPr lang="en-US" sz="4100" dirty="0"/>
-              <a:t>Connect multiple </a:t>
-            </a:r>
-            <a:r>
-              <a:rPr lang="en-US" sz="4100" dirty="0" err="1"/>
-              <a:t>Wyze</a:t>
-            </a:r>
-            <a:r>
-              <a:rPr lang="en-US" sz="4100" dirty="0"/>
-              <a:t> IP camera for multi-entrance enclosed spaces</a:t>
+              <a:t>Connect multiple Wyze IP camera for multi-entrance enclosed spaces</a:t>
             </a:r>
           </a:p>
           <a:p>
